--- a/PPT Seminar Terbuka.pptx
+++ b/PPT Seminar Terbuka.pptx
@@ -12718,7 +12718,7 @@
                 <a:cs typeface="Ubuntu"/>
                 <a:sym typeface="Ubuntu"/>
               </a:rPr>
-              <a:t>Memudahkan Admin dalam mencatat pesanan yang diminta oleh pelanggan secara efektif dan efisien yang dapat dilakukan kapan saja dan darimana saja. </a:t>
+              <a:t>Memudahkan Admin dalam mencatat pesanan yang diminta oleh pelanggan secara efektif dan efisien. </a:t>
             </a:r>
           </a:p>
           <a:p>
@@ -13150,15 +13150,8 @@
                   </a:schemeClr>
                 </a:solidFill>
               </a:rPr>
-              <a:t>Guest</a:t>
+              <a:t>Pelanggan</a:t>
             </a:r>
-            <a:endParaRPr sz="1600">
-              <a:solidFill>
-                <a:schemeClr val="bg2">
-                  <a:lumMod val="75000"/>
-                </a:schemeClr>
-              </a:solidFill>
-            </a:endParaRPr>
           </a:p>
         </p:txBody>
       </p:sp>
@@ -17362,10 +17355,10 @@
       </p:cxnSp>
       <p:pic>
         <p:nvPicPr>
-          <p:cNvPr id="7" name="Picture 6">
+          <p:cNvPr id="3" name="Picture 2">
             <a:extLst>
               <a:ext uri="{FF2B5EF4-FFF2-40B4-BE49-F238E27FC236}">
-                <a16:creationId xmlns:a16="http://schemas.microsoft.com/office/drawing/2014/main" id="{C6F08DC6-68D6-4984-A4ED-890EFB2FD14D}"/>
+                <a16:creationId xmlns:a16="http://schemas.microsoft.com/office/drawing/2014/main" id="{FFC3C145-0634-4205-B42D-4F7536E4861A}"/>
               </a:ext>
             </a:extLst>
           </p:cNvPr>
@@ -17382,8 +17375,8 @@
         </p:blipFill>
         <p:spPr>
           <a:xfrm>
-            <a:off x="5005953" y="86683"/>
-            <a:ext cx="4221132" cy="4970134"/>
+            <a:off x="4919953" y="0"/>
+            <a:ext cx="4224047" cy="5143500"/>
           </a:xfrm>
           <a:prstGeom prst="rect">
             <a:avLst/>
